--- a/platform/examples/examples.MIP/docs/Examples_MIP.pptx
+++ b/platform/examples/examples.MIP/docs/Examples_MIP.pptx
@@ -261,7 +261,7 @@
           <a:p>
             <a:fld id="{D5B82AE6-E612-48AC-BCA1-8D558D7A7716}" type="datetimeFigureOut">
               <a:rPr lang="en-DE" smtClean="0"/>
-              <a:t>22/08/2023</a:t>
+              <a:t>27/03/2024</a:t>
             </a:fld>
             <a:endParaRPr lang="en-DE" dirty="0"/>
           </a:p>
@@ -461,7 +461,7 @@
           <a:p>
             <a:fld id="{D5B82AE6-E612-48AC-BCA1-8D558D7A7716}" type="datetimeFigureOut">
               <a:rPr lang="en-DE" smtClean="0"/>
-              <a:t>22/08/2023</a:t>
+              <a:t>27/03/2024</a:t>
             </a:fld>
             <a:endParaRPr lang="en-DE" dirty="0"/>
           </a:p>
@@ -671,7 +671,7 @@
           <a:p>
             <a:fld id="{D5B82AE6-E612-48AC-BCA1-8D558D7A7716}" type="datetimeFigureOut">
               <a:rPr lang="en-DE" smtClean="0"/>
-              <a:t>22/08/2023</a:t>
+              <a:t>27/03/2024</a:t>
             </a:fld>
             <a:endParaRPr lang="en-DE" dirty="0"/>
           </a:p>
@@ -871,7 +871,7 @@
           <a:p>
             <a:fld id="{D5B82AE6-E612-48AC-BCA1-8D558D7A7716}" type="datetimeFigureOut">
               <a:rPr lang="en-DE" smtClean="0"/>
-              <a:t>22/08/2023</a:t>
+              <a:t>27/03/2024</a:t>
             </a:fld>
             <a:endParaRPr lang="en-DE" dirty="0"/>
           </a:p>
@@ -1147,7 +1147,7 @@
           <a:p>
             <a:fld id="{D5B82AE6-E612-48AC-BCA1-8D558D7A7716}" type="datetimeFigureOut">
               <a:rPr lang="en-DE" smtClean="0"/>
-              <a:t>22/08/2023</a:t>
+              <a:t>27/03/2024</a:t>
             </a:fld>
             <a:endParaRPr lang="en-DE" dirty="0"/>
           </a:p>
@@ -1415,7 +1415,7 @@
           <a:p>
             <a:fld id="{D5B82AE6-E612-48AC-BCA1-8D558D7A7716}" type="datetimeFigureOut">
               <a:rPr lang="en-DE" smtClean="0"/>
-              <a:t>22/08/2023</a:t>
+              <a:t>27/03/2024</a:t>
             </a:fld>
             <a:endParaRPr lang="en-DE" dirty="0"/>
           </a:p>
@@ -1830,7 +1830,7 @@
           <a:p>
             <a:fld id="{D5B82AE6-E612-48AC-BCA1-8D558D7A7716}" type="datetimeFigureOut">
               <a:rPr lang="en-DE" smtClean="0"/>
-              <a:t>22/08/2023</a:t>
+              <a:t>27/03/2024</a:t>
             </a:fld>
             <a:endParaRPr lang="en-DE" dirty="0"/>
           </a:p>
@@ -1972,7 +1972,7 @@
           <a:p>
             <a:fld id="{D5B82AE6-E612-48AC-BCA1-8D558D7A7716}" type="datetimeFigureOut">
               <a:rPr lang="en-DE" smtClean="0"/>
-              <a:t>22/08/2023</a:t>
+              <a:t>27/03/2024</a:t>
             </a:fld>
             <a:endParaRPr lang="en-DE" dirty="0"/>
           </a:p>
@@ -2085,7 +2085,7 @@
           <a:p>
             <a:fld id="{D5B82AE6-E612-48AC-BCA1-8D558D7A7716}" type="datetimeFigureOut">
               <a:rPr lang="en-DE" smtClean="0"/>
-              <a:t>22/08/2023</a:t>
+              <a:t>27/03/2024</a:t>
             </a:fld>
             <a:endParaRPr lang="en-DE" dirty="0"/>
           </a:p>
@@ -2398,7 +2398,7 @@
           <a:p>
             <a:fld id="{D5B82AE6-E612-48AC-BCA1-8D558D7A7716}" type="datetimeFigureOut">
               <a:rPr lang="en-DE" smtClean="0"/>
-              <a:t>22/08/2023</a:t>
+              <a:t>27/03/2024</a:t>
             </a:fld>
             <a:endParaRPr lang="en-DE" dirty="0"/>
           </a:p>
@@ -2687,7 +2687,7 @@
           <a:p>
             <a:fld id="{D5B82AE6-E612-48AC-BCA1-8D558D7A7716}" type="datetimeFigureOut">
               <a:rPr lang="en-DE" smtClean="0"/>
-              <a:t>22/08/2023</a:t>
+              <a:t>27/03/2024</a:t>
             </a:fld>
             <a:endParaRPr lang="en-DE" dirty="0"/>
           </a:p>
@@ -2930,7 +2930,7 @@
           <a:p>
             <a:fld id="{D5B82AE6-E612-48AC-BCA1-8D558D7A7716}" type="datetimeFigureOut">
               <a:rPr lang="en-DE" smtClean="0"/>
-              <a:t>22/08/2023</a:t>
+              <a:t>27/03/2024</a:t>
             </a:fld>
             <a:endParaRPr lang="en-DE" dirty="0"/>
           </a:p>
@@ -3791,7 +3791,7 @@
         </p:nvSpPr>
         <p:spPr>
           <a:xfrm>
-            <a:off x="10812242" y="747669"/>
+            <a:off x="10812242" y="1127290"/>
             <a:ext cx="1207190" cy="646331"/>
           </a:xfrm>
           <a:prstGeom prst="rect">
@@ -3839,8 +3839,8 @@
         </p:nvSpPr>
         <p:spPr>
           <a:xfrm>
-            <a:off x="10812242" y="1715322"/>
-            <a:ext cx="1207190" cy="923330"/>
+            <a:off x="10812242" y="1854470"/>
+            <a:ext cx="1207190" cy="646331"/>
           </a:xfrm>
           <a:prstGeom prst="rect">
             <a:avLst/>
@@ -3870,9 +3870,6 @@
               <a:t>Java, async</a:t>
             </a:r>
             <a:endParaRPr lang="en-DE" dirty="0"/>
-          </a:p>
-          <a:p>
-            <a:endParaRPr lang="en-GB" b="1" dirty="0"/>
           </a:p>
         </p:txBody>
       </p:sp>
@@ -4241,8 +4238,8 @@
         </p:nvCxnSpPr>
         <p:spPr>
           <a:xfrm flipV="1">
-            <a:off x="9276237" y="2176987"/>
-            <a:ext cx="1536005" cy="2541"/>
+            <a:off x="9276237" y="2177636"/>
+            <a:ext cx="1536005" cy="1892"/>
           </a:xfrm>
           <a:prstGeom prst="straightConnector1">
             <a:avLst/>
@@ -4870,6 +4867,45 @@
           </a:p>
         </p:txBody>
       </p:sp>
+      <p:pic>
+        <p:nvPicPr>
+          <p:cNvPr id="35" name="Picture 34" descr="oktoflow">
+            <a:extLst>
+              <a:ext uri="{FF2B5EF4-FFF2-40B4-BE49-F238E27FC236}">
+                <a16:creationId xmlns:a16="http://schemas.microsoft.com/office/drawing/2014/main" id="{182FAF27-F815-43B8-B18E-DEDA5178A88D}"/>
+              </a:ext>
+            </a:extLst>
+          </p:cNvPr>
+          <p:cNvPicPr/>
+          <p:nvPr/>
+        </p:nvPicPr>
+        <p:blipFill>
+          <a:blip r:embed="rId2" cstate="print">
+            <a:extLst>
+              <a:ext uri="{28A0092B-C50C-407E-A947-70E740481C1C}">
+                <a14:useLocalDpi xmlns:a14="http://schemas.microsoft.com/office/drawing/2010/main" val="0"/>
+              </a:ext>
+            </a:extLst>
+          </a:blip>
+          <a:srcRect/>
+          <a:stretch>
+            <a:fillRect/>
+          </a:stretch>
+        </p:blipFill>
+        <p:spPr bwMode="auto">
+          <a:xfrm>
+            <a:off x="10882874" y="17036"/>
+            <a:ext cx="1243963" cy="1072043"/>
+          </a:xfrm>
+          <a:prstGeom prst="rect">
+            <a:avLst/>
+          </a:prstGeom>
+          <a:noFill/>
+          <a:ln>
+            <a:noFill/>
+          </a:ln>
+        </p:spPr>
+      </p:pic>
     </p:spTree>
     <p:extLst>
       <p:ext uri="{BB962C8B-B14F-4D97-AF65-F5344CB8AC3E}">
